--- a/Superstore_Final_Presentation.pptx
+++ b/Superstore_Final_Presentation.pptx
@@ -3571,7 +3571,7 @@
         </p:nvSpPr>
         <p:spPr>
           <a:xfrm>
-            <a:off x="914400" y="2286000"/>
+            <a:off x="914400" y="591127"/>
             <a:ext cx="7315200" cy="1828800"/>
           </a:xfrm>
           <a:prstGeom prst="rect">
@@ -3585,7 +3585,7 @@
           </a:bodyPr>
           <a:lstStyle/>
           <a:p>
-            <a:endParaRPr/>
+            <a:endParaRPr dirty="0"/>
           </a:p>
           <a:p>
             <a:pPr algn="ctr">
@@ -3596,7 +3596,452 @@
               </a:defRPr>
             </a:pPr>
             <a:r>
+              <a:rPr dirty="0"/>
               <a:t>Superstore Profitability Analysis</a:t>
+            </a:r>
+          </a:p>
+        </p:txBody>
+      </p:sp>
+      <p:sp>
+        <p:nvSpPr>
+          <p:cNvPr id="4" name="TextBox 3"/>
+          <p:cNvSpPr txBox="1"/>
+          <p:nvPr/>
+        </p:nvSpPr>
+        <p:spPr>
+          <a:xfrm>
+            <a:off x="295564" y="2068945"/>
+            <a:ext cx="6326909" cy="2893100"/>
+          </a:xfrm>
+          <a:prstGeom prst="rect">
+            <a:avLst/>
+          </a:prstGeom>
+          <a:noFill/>
+        </p:spPr>
+        <p:txBody>
+          <a:bodyPr wrap="square" rtlCol="0">
+            <a:spAutoFit/>
+          </a:bodyPr>
+          <a:lstStyle/>
+          <a:p>
+            <a:r>
+              <a:rPr lang="en-US" dirty="0">
+                <a:solidFill>
+                  <a:schemeClr val="bg1"/>
+                </a:solidFill>
+              </a:rPr>
+              <a:t>	</a:t>
+            </a:r>
+            <a:r>
+              <a:rPr lang="en-US" dirty="0" smtClean="0">
+                <a:solidFill>
+                  <a:schemeClr val="bg1"/>
+                </a:solidFill>
+              </a:rPr>
+              <a:t>			</a:t>
+            </a:r>
+            <a:r>
+              <a:rPr lang="en-US" sz="2000" b="1" dirty="0" smtClean="0">
+                <a:solidFill>
+                  <a:schemeClr val="bg1"/>
+                </a:solidFill>
+              </a:rPr>
+              <a:t>Team </a:t>
+            </a:r>
+            <a:r>
+              <a:rPr lang="en-US" sz="2000" b="1" dirty="0">
+                <a:solidFill>
+                  <a:schemeClr val="bg1"/>
+                </a:solidFill>
+              </a:rPr>
+              <a:t>Members</a:t>
+            </a:r>
+            <a:r>
+              <a:rPr lang="en-US" sz="2000" b="1" dirty="0" smtClean="0">
+                <a:solidFill>
+                  <a:schemeClr val="bg1"/>
+                </a:solidFill>
+              </a:rPr>
+              <a:t>:</a:t>
+            </a:r>
+            <a:endParaRPr lang="en-US" sz="2000" b="1" dirty="0">
+              <a:solidFill>
+                <a:schemeClr val="bg1"/>
+              </a:solidFill>
+            </a:endParaRPr>
+          </a:p>
+          <a:p>
+            <a:pPr marL="342900" indent="-342900">
+              <a:buFont typeface="+mj-lt"/>
+              <a:buAutoNum type="arabicPeriod"/>
+            </a:pPr>
+            <a:r>
+              <a:rPr lang="en-US" dirty="0" smtClean="0">
+                <a:solidFill>
+                  <a:schemeClr val="bg1"/>
+                </a:solidFill>
+              </a:rPr>
+              <a:t> </a:t>
+            </a:r>
+            <a:r>
+              <a:rPr lang="en-US" dirty="0" err="1">
+                <a:solidFill>
+                  <a:schemeClr val="bg1"/>
+                </a:solidFill>
+              </a:rPr>
+              <a:t>Shemiramoth</a:t>
+            </a:r>
+            <a:r>
+              <a:rPr lang="en-US" dirty="0">
+                <a:solidFill>
+                  <a:schemeClr val="bg1"/>
+                </a:solidFill>
+              </a:rPr>
+              <a:t> </a:t>
+            </a:r>
+            <a:r>
+              <a:rPr lang="en-US" dirty="0" err="1">
+                <a:solidFill>
+                  <a:schemeClr val="bg1"/>
+                </a:solidFill>
+              </a:rPr>
+              <a:t>Mugo</a:t>
+            </a:r>
+            <a:r>
+              <a:rPr lang="en-US" dirty="0">
+                <a:solidFill>
+                  <a:schemeClr val="bg1"/>
+                </a:solidFill>
+              </a:rPr>
+              <a:t> (SCT212-0061/2023)</a:t>
+            </a:r>
+          </a:p>
+          <a:p>
+            <a:pPr marL="342900" indent="-342900">
+              <a:buFont typeface="+mj-lt"/>
+              <a:buAutoNum type="arabicPeriod"/>
+            </a:pPr>
+            <a:r>
+              <a:rPr lang="en-US" dirty="0" smtClean="0">
+                <a:solidFill>
+                  <a:schemeClr val="bg1"/>
+                </a:solidFill>
+              </a:rPr>
+              <a:t> </a:t>
+            </a:r>
+            <a:r>
+              <a:rPr lang="en-US" dirty="0">
+                <a:solidFill>
+                  <a:schemeClr val="bg1"/>
+                </a:solidFill>
+              </a:rPr>
+              <a:t>Nicholas </a:t>
+            </a:r>
+            <a:r>
+              <a:rPr lang="en-US" dirty="0" err="1">
+                <a:solidFill>
+                  <a:schemeClr val="bg1"/>
+                </a:solidFill>
+              </a:rPr>
+              <a:t>Ndegwa</a:t>
+            </a:r>
+            <a:r>
+              <a:rPr lang="en-US" dirty="0">
+                <a:solidFill>
+                  <a:schemeClr val="bg1"/>
+                </a:solidFill>
+              </a:rPr>
+              <a:t> </a:t>
+            </a:r>
+            <a:r>
+              <a:rPr lang="en-US" dirty="0" err="1">
+                <a:solidFill>
+                  <a:schemeClr val="bg1"/>
+                </a:solidFill>
+              </a:rPr>
+              <a:t>Mwangi</a:t>
+            </a:r>
+            <a:r>
+              <a:rPr lang="en-US" dirty="0">
+                <a:solidFill>
+                  <a:schemeClr val="bg1"/>
+                </a:solidFill>
+              </a:rPr>
+              <a:t> (SCT212-0046/2023)</a:t>
+            </a:r>
+          </a:p>
+          <a:p>
+            <a:pPr marL="342900" indent="-342900">
+              <a:buFont typeface="+mj-lt"/>
+              <a:buAutoNum type="arabicPeriod"/>
+            </a:pPr>
+            <a:r>
+              <a:rPr lang="en-US" dirty="0" smtClean="0">
+                <a:solidFill>
+                  <a:schemeClr val="bg1"/>
+                </a:solidFill>
+              </a:rPr>
+              <a:t> </a:t>
+            </a:r>
+            <a:r>
+              <a:rPr lang="en-US" dirty="0">
+                <a:solidFill>
+                  <a:schemeClr val="bg1"/>
+                </a:solidFill>
+              </a:rPr>
+              <a:t>Samuel </a:t>
+            </a:r>
+            <a:r>
+              <a:rPr lang="en-US" dirty="0" err="1">
+                <a:solidFill>
+                  <a:schemeClr val="bg1"/>
+                </a:solidFill>
+              </a:rPr>
+              <a:t>Kuria</a:t>
+            </a:r>
+            <a:r>
+              <a:rPr lang="en-US" dirty="0">
+                <a:solidFill>
+                  <a:schemeClr val="bg1"/>
+                </a:solidFill>
+              </a:rPr>
+              <a:t> (SCT212-0476/2023)</a:t>
+            </a:r>
+          </a:p>
+          <a:p>
+            <a:pPr marL="342900" indent="-342900">
+              <a:buFont typeface="+mj-lt"/>
+              <a:buAutoNum type="arabicPeriod"/>
+            </a:pPr>
+            <a:r>
+              <a:rPr lang="en-US" dirty="0" smtClean="0">
+                <a:solidFill>
+                  <a:schemeClr val="bg1"/>
+                </a:solidFill>
+              </a:rPr>
+              <a:t> </a:t>
+            </a:r>
+            <a:r>
+              <a:rPr lang="en-US" dirty="0">
+                <a:solidFill>
+                  <a:schemeClr val="bg1"/>
+                </a:solidFill>
+              </a:rPr>
+              <a:t>Gabriella </a:t>
+            </a:r>
+            <a:r>
+              <a:rPr lang="en-US" dirty="0" err="1">
+                <a:solidFill>
+                  <a:schemeClr val="bg1"/>
+                </a:solidFill>
+              </a:rPr>
+              <a:t>Muthoni</a:t>
+            </a:r>
+            <a:r>
+              <a:rPr lang="en-US" dirty="0">
+                <a:solidFill>
+                  <a:schemeClr val="bg1"/>
+                </a:solidFill>
+              </a:rPr>
+              <a:t> (SCT212-0330/2023)</a:t>
+            </a:r>
+          </a:p>
+          <a:p>
+            <a:pPr marL="342900" indent="-342900">
+              <a:buFont typeface="+mj-lt"/>
+              <a:buAutoNum type="arabicPeriod"/>
+            </a:pPr>
+            <a:r>
+              <a:rPr lang="en-US" dirty="0" smtClean="0">
+                <a:solidFill>
+                  <a:schemeClr val="bg1"/>
+                </a:solidFill>
+              </a:rPr>
+              <a:t> </a:t>
+            </a:r>
+            <a:r>
+              <a:rPr lang="en-US" dirty="0">
+                <a:solidFill>
+                  <a:schemeClr val="bg1"/>
+                </a:solidFill>
+              </a:rPr>
+              <a:t>Emmanuel </a:t>
+            </a:r>
+            <a:r>
+              <a:rPr lang="en-US" dirty="0" err="1">
+                <a:solidFill>
+                  <a:schemeClr val="bg1"/>
+                </a:solidFill>
+              </a:rPr>
+              <a:t>Mwangangi</a:t>
+            </a:r>
+            <a:r>
+              <a:rPr lang="en-US" dirty="0">
+                <a:solidFill>
+                  <a:schemeClr val="bg1"/>
+                </a:solidFill>
+              </a:rPr>
+              <a:t> (SCT212-0331/2023)</a:t>
+            </a:r>
+          </a:p>
+          <a:p>
+            <a:pPr marL="342900" indent="-342900">
+              <a:buFont typeface="+mj-lt"/>
+              <a:buAutoNum type="arabicPeriod"/>
+            </a:pPr>
+            <a:r>
+              <a:rPr lang="en-US" dirty="0" smtClean="0">
+                <a:solidFill>
+                  <a:schemeClr val="bg1"/>
+                </a:solidFill>
+              </a:rPr>
+              <a:t> </a:t>
+            </a:r>
+            <a:r>
+              <a:rPr lang="en-US" dirty="0" err="1">
+                <a:solidFill>
+                  <a:schemeClr val="bg1"/>
+                </a:solidFill>
+              </a:rPr>
+              <a:t>Linet</a:t>
+            </a:r>
+            <a:r>
+              <a:rPr lang="en-US" dirty="0">
+                <a:solidFill>
+                  <a:schemeClr val="bg1"/>
+                </a:solidFill>
+              </a:rPr>
+              <a:t> </a:t>
+            </a:r>
+            <a:r>
+              <a:rPr lang="en-US" dirty="0" err="1">
+                <a:solidFill>
+                  <a:schemeClr val="bg1"/>
+                </a:solidFill>
+              </a:rPr>
+              <a:t>Waithira</a:t>
+            </a:r>
+            <a:r>
+              <a:rPr lang="en-US" dirty="0">
+                <a:solidFill>
+                  <a:schemeClr val="bg1"/>
+                </a:solidFill>
+              </a:rPr>
+              <a:t> (SCT212-0042/2023)</a:t>
+            </a:r>
+          </a:p>
+          <a:p>
+            <a:pPr marL="342900" indent="-342900">
+              <a:buFont typeface="+mj-lt"/>
+              <a:buAutoNum type="arabicPeriod"/>
+            </a:pPr>
+            <a:r>
+              <a:rPr lang="en-US" dirty="0" smtClean="0">
+                <a:solidFill>
+                  <a:schemeClr val="bg1"/>
+                </a:solidFill>
+              </a:rPr>
+              <a:t> </a:t>
+            </a:r>
+            <a:r>
+              <a:rPr lang="en-US" dirty="0">
+                <a:solidFill>
+                  <a:schemeClr val="bg1"/>
+                </a:solidFill>
+              </a:rPr>
+              <a:t>Cecil </a:t>
+            </a:r>
+            <a:r>
+              <a:rPr lang="en-US" dirty="0" err="1">
+                <a:solidFill>
+                  <a:schemeClr val="bg1"/>
+                </a:solidFill>
+              </a:rPr>
+              <a:t>Kioko</a:t>
+            </a:r>
+            <a:r>
+              <a:rPr lang="en-US" dirty="0">
+                <a:solidFill>
+                  <a:schemeClr val="bg1"/>
+                </a:solidFill>
+              </a:rPr>
+              <a:t> (SCT212-0047/2023)</a:t>
+            </a:r>
+          </a:p>
+          <a:p>
+            <a:pPr marL="342900" indent="-342900">
+              <a:buFont typeface="+mj-lt"/>
+              <a:buAutoNum type="arabicPeriod"/>
+            </a:pPr>
+            <a:r>
+              <a:rPr lang="en-US" dirty="0" smtClean="0">
+                <a:solidFill>
+                  <a:schemeClr val="bg1"/>
+                </a:solidFill>
+              </a:rPr>
+              <a:t> </a:t>
+            </a:r>
+            <a:r>
+              <a:rPr lang="en-US" dirty="0">
+                <a:solidFill>
+                  <a:schemeClr val="bg1"/>
+                </a:solidFill>
+              </a:rPr>
+              <a:t>Felix </a:t>
+            </a:r>
+            <a:r>
+              <a:rPr lang="en-US" dirty="0" err="1">
+                <a:solidFill>
+                  <a:schemeClr val="bg1"/>
+                </a:solidFill>
+              </a:rPr>
+              <a:t>Wanyoike</a:t>
+            </a:r>
+            <a:r>
+              <a:rPr lang="en-US" dirty="0">
+                <a:solidFill>
+                  <a:schemeClr val="bg1"/>
+                </a:solidFill>
+              </a:rPr>
+              <a:t> (SCC212-0248/2023)</a:t>
+            </a:r>
+          </a:p>
+          <a:p>
+            <a:pPr marL="342900" indent="-342900">
+              <a:buFont typeface="+mj-lt"/>
+              <a:buAutoNum type="arabicPeriod"/>
+            </a:pPr>
+            <a:r>
+              <a:rPr lang="en-US" dirty="0" smtClean="0">
+                <a:solidFill>
+                  <a:schemeClr val="bg1"/>
+                </a:solidFill>
+              </a:rPr>
+              <a:t> </a:t>
+            </a:r>
+            <a:r>
+              <a:rPr lang="en-US" dirty="0">
+                <a:solidFill>
+                  <a:schemeClr val="bg1"/>
+                </a:solidFill>
+              </a:rPr>
+              <a:t>Lee </a:t>
+            </a:r>
+            <a:r>
+              <a:rPr lang="en-US" dirty="0" err="1">
+                <a:solidFill>
+                  <a:schemeClr val="bg1"/>
+                </a:solidFill>
+              </a:rPr>
+              <a:t>Kariuki</a:t>
+            </a:r>
+            <a:r>
+              <a:rPr lang="en-US" dirty="0">
+                <a:solidFill>
+                  <a:schemeClr val="bg1"/>
+                </a:solidFill>
+              </a:rPr>
+              <a:t> (SCT212-0049/2023)</a:t>
             </a:r>
           </a:p>
         </p:txBody>
